--- a/122/NMOP/draft-netana-nmop-message-broker-telemetry-message.pptx
+++ b/122/NMOP/draft-netana-nmop-message-broker-telemetry-message.pptx
@@ -639,7 +639,7 @@
           <a:p>
             <a:fld id="{E5E705E9-673F-4AC4-B29E-A7B26F3B8523}" type="datetimeFigureOut">
               <a:rPr lang="de-CH" smtClean="0"/>
-              <a:t>13.03.25</a:t>
+              <a:t>14.03.2025</a:t>
             </a:fld>
             <a:endParaRPr lang="de-CH"/>
           </a:p>
@@ -1445,7 +1445,7 @@
           <a:p>
             <a:fld id="{9E9B238C-2335-4007-98C9-471C02CC43B6}" type="datetimeFigureOut">
               <a:rPr lang="de-CH" smtClean="0"/>
-              <a:t>13.03.25</a:t>
+              <a:t>14.03.2025</a:t>
             </a:fld>
             <a:endParaRPr lang="de-CH"/>
           </a:p>
@@ -1645,7 +1645,7 @@
           <a:p>
             <a:fld id="{9E9B238C-2335-4007-98C9-471C02CC43B6}" type="datetimeFigureOut">
               <a:rPr lang="de-CH" smtClean="0"/>
-              <a:t>13.03.25</a:t>
+              <a:t>14.03.2025</a:t>
             </a:fld>
             <a:endParaRPr lang="de-CH"/>
           </a:p>
@@ -1855,7 +1855,7 @@
           <a:p>
             <a:fld id="{9E9B238C-2335-4007-98C9-471C02CC43B6}" type="datetimeFigureOut">
               <a:rPr lang="de-CH" smtClean="0"/>
-              <a:t>13.03.25</a:t>
+              <a:t>14.03.2025</a:t>
             </a:fld>
             <a:endParaRPr lang="de-CH"/>
           </a:p>
@@ -3068,7 +3068,7 @@
           <a:p>
             <a:fld id="{9E9B238C-2335-4007-98C9-471C02CC43B6}" type="datetimeFigureOut">
               <a:rPr lang="de-CH" smtClean="0"/>
-              <a:t>13.03.25</a:t>
+              <a:t>14.03.2025</a:t>
             </a:fld>
             <a:endParaRPr lang="de-CH"/>
           </a:p>
@@ -3344,7 +3344,7 @@
           <a:p>
             <a:fld id="{9E9B238C-2335-4007-98C9-471C02CC43B6}" type="datetimeFigureOut">
               <a:rPr lang="de-CH" smtClean="0"/>
-              <a:t>13.03.25</a:t>
+              <a:t>14.03.2025</a:t>
             </a:fld>
             <a:endParaRPr lang="de-CH"/>
           </a:p>
@@ -3612,7 +3612,7 @@
           <a:p>
             <a:fld id="{9E9B238C-2335-4007-98C9-471C02CC43B6}" type="datetimeFigureOut">
               <a:rPr lang="de-CH" smtClean="0"/>
-              <a:t>13.03.25</a:t>
+              <a:t>14.03.2025</a:t>
             </a:fld>
             <a:endParaRPr lang="de-CH"/>
           </a:p>
@@ -4027,7 +4027,7 @@
           <a:p>
             <a:fld id="{9E9B238C-2335-4007-98C9-471C02CC43B6}" type="datetimeFigureOut">
               <a:rPr lang="de-CH" smtClean="0"/>
-              <a:t>13.03.25</a:t>
+              <a:t>14.03.2025</a:t>
             </a:fld>
             <a:endParaRPr lang="de-CH"/>
           </a:p>
@@ -4169,7 +4169,7 @@
           <a:p>
             <a:fld id="{9E9B238C-2335-4007-98C9-471C02CC43B6}" type="datetimeFigureOut">
               <a:rPr lang="de-CH" smtClean="0"/>
-              <a:t>13.03.25</a:t>
+              <a:t>14.03.2025</a:t>
             </a:fld>
             <a:endParaRPr lang="de-CH"/>
           </a:p>
@@ -4282,7 +4282,7 @@
           <a:p>
             <a:fld id="{9E9B238C-2335-4007-98C9-471C02CC43B6}" type="datetimeFigureOut">
               <a:rPr lang="de-CH" smtClean="0"/>
-              <a:t>13.03.25</a:t>
+              <a:t>14.03.2025</a:t>
             </a:fld>
             <a:endParaRPr lang="de-CH"/>
           </a:p>
@@ -4595,7 +4595,7 @@
           <a:p>
             <a:fld id="{9E9B238C-2335-4007-98C9-471C02CC43B6}" type="datetimeFigureOut">
               <a:rPr lang="de-CH" smtClean="0"/>
-              <a:t>13.03.25</a:t>
+              <a:t>14.03.2025</a:t>
             </a:fld>
             <a:endParaRPr lang="de-CH"/>
           </a:p>
@@ -4884,7 +4884,7 @@
           <a:p>
             <a:fld id="{9E9B238C-2335-4007-98C9-471C02CC43B6}" type="datetimeFigureOut">
               <a:rPr lang="de-CH" smtClean="0"/>
-              <a:t>13.03.25</a:t>
+              <a:t>14.03.2025</a:t>
             </a:fld>
             <a:endParaRPr lang="de-CH"/>
           </a:p>
@@ -5127,7 +5127,7 @@
           <a:p>
             <a:fld id="{9E9B238C-2335-4007-98C9-471C02CC43B6}" type="datetimeFigureOut">
               <a:rPr lang="de-CH" smtClean="0"/>
-              <a:t>13.03.25</a:t>
+              <a:t>14.03.2025</a:t>
             </a:fld>
             <a:endParaRPr lang="de-CH"/>
           </a:p>
@@ -6309,7 +6309,7 @@
           <a:p>
             <a:r>
               <a:rPr lang="en-US" sz="2000" b="1" dirty="0"/>
-              <a:t>What metadata are need?</a:t>
+              <a:t>What metadata is needed?</a:t>
             </a:r>
           </a:p>
         </p:txBody>
@@ -6345,7 +6345,7 @@
           <a:p>
             <a:r>
               <a:rPr lang="en-US" sz="1800" dirty="0"/>
-              <a:t>Network platform belongs the network node</a:t>
+              <a:t>The network platform the network node belongs to</a:t>
             </a:r>
           </a:p>
           <a:p>
@@ -6365,13 +6365,13 @@
           <a:p>
             <a:r>
               <a:rPr lang="en-US" sz="1800" dirty="0"/>
-              <a:t>Time of data collection received the data</a:t>
+              <a:t>Time when the data collection received the data</a:t>
             </a:r>
           </a:p>
           <a:p>
             <a:r>
               <a:rPr lang="en-US" sz="1800" dirty="0"/>
-              <a:t>Additional provider-specific metadata is necessary for a consumer to make sense of the data</a:t>
+              <a:t>Additional provider-specific metadata necessary for a consumer to make sense of the data</a:t>
             </a:r>
           </a:p>
         </p:txBody>
@@ -8401,7 +8401,7 @@
             </a:r>
             <a:r>
               <a:rPr lang="en-US" sz="2200" b="1" dirty="0"/>
-              <a:t>-telemetry-message Schema Tree</a:t>
+              <a:t>-telemetry-message YANG Schema Tree</a:t>
             </a:r>
             <a:br>
               <a:rPr lang="en-US" sz="2200" b="1" dirty="0"/>
@@ -8594,7 +8594,7 @@
               <a:rPr lang="en-US" sz="1800" dirty="0">
                 <a:cs typeface="Courier New" panose="02070309020205020404" pitchFamily="49" charset="0"/>
               </a:rPr>
-              <a:t>The subscription id and filters are obtained from the YANG-Push subscription the started message. </a:t>
+              <a:t>The subscription id and filters are obtained from the YANG-Push subscription-started notification. </a:t>
             </a:r>
             <a:endParaRPr lang="en-US" sz="1800" dirty="0"/>
           </a:p>
@@ -8979,7 +8979,7 @@
             </a:r>
             <a:r>
               <a:rPr lang="en-US" sz="2200" b="1" dirty="0"/>
-              <a:t>-telemetry-message Schema Tree</a:t>
+              <a:t>-telemetry-message YANG Schema Tree</a:t>
             </a:r>
             <a:br>
               <a:rPr lang="en-US" sz="2200" b="1" dirty="0"/>
